--- a/RESTOHUB_finalReview.pptx
+++ b/RESTOHUB_finalReview.pptx
@@ -304,7 +304,7 @@
           <a:p>
             <a:fld id="{1D8BD707-D9CF-40AE-B4C6-C98DA3205C09}" type="datetimeFigureOut">
               <a:rPr lang="en-US"/>
-              <a:t>5/9/2022</a:t>
+              <a:t>5/11/2022</a:t>
             </a:fld>
             <a:endParaRPr lang="en-US"/>
           </a:p>
@@ -497,7 +497,7 @@
           <a:p>
             <a:fld id="{1D8BD707-D9CF-40AE-B4C6-C98DA3205C09}" type="datetimeFigureOut">
               <a:rPr lang="en-US"/>
-              <a:t>5/9/2022</a:t>
+              <a:t>5/11/2022</a:t>
             </a:fld>
             <a:endParaRPr lang="en-US"/>
           </a:p>
@@ -727,7 +727,7 @@
           <a:p>
             <a:fld id="{1D8BD707-D9CF-40AE-B4C6-C98DA3205C09}" type="datetimeFigureOut">
               <a:rPr lang="en-US"/>
-              <a:t>5/9/2022</a:t>
+              <a:t>5/11/2022</a:t>
             </a:fld>
             <a:endParaRPr lang="en-US"/>
           </a:p>
@@ -891,7 +891,7 @@
           <a:p>
             <a:fld id="{1D8BD707-D9CF-40AE-B4C6-C98DA3205C09}" type="datetimeFigureOut">
               <a:rPr lang="en-US"/>
-              <a:t>5/9/2022</a:t>
+              <a:t>5/11/2022</a:t>
             </a:fld>
             <a:endParaRPr lang="en-US"/>
           </a:p>
@@ -1026,7 +1026,7 @@
           <a:p>
             <a:fld id="{1D8BD707-D9CF-40AE-B4C6-C98DA3205C09}" type="datetimeFigureOut">
               <a:rPr lang="en-US"/>
-              <a:t>5/9/2022</a:t>
+              <a:t>5/11/2022</a:t>
             </a:fld>
             <a:endParaRPr lang="en-US"/>
           </a:p>
@@ -1317,7 +1317,7 @@
           <a:p>
             <a:fld id="{1D8BD707-D9CF-40AE-B4C6-C98DA3205C09}" type="datetimeFigureOut">
               <a:rPr lang="en-US"/>
-              <a:t>5/9/2022</a:t>
+              <a:t>5/11/2022</a:t>
             </a:fld>
             <a:endParaRPr lang="en-US"/>
           </a:p>
@@ -10895,7 +10895,7 @@
               </a:rPr>
               <a:t>framework.</a:t>
             </a:r>
-            <a:endParaRPr sz="1100">
+            <a:endParaRPr sz="1100" dirty="0">
               <a:latin typeface="Tahoma"/>
               <a:cs typeface="Tahoma"/>
             </a:endParaRPr>
@@ -11204,7 +11204,7 @@
               </a:rPr>
               <a:t>business.</a:t>
             </a:r>
-            <a:endParaRPr sz="1100">
+            <a:endParaRPr sz="1100" dirty="0">
               <a:latin typeface="Tahoma"/>
               <a:cs typeface="Tahoma"/>
             </a:endParaRPr>
@@ -11401,7 +11401,7 @@
               </a:rPr>
               <a:t>preference.</a:t>
             </a:r>
-            <a:endParaRPr sz="1100">
+            <a:endParaRPr sz="1100" dirty="0">
               <a:latin typeface="Tahoma"/>
               <a:cs typeface="Tahoma"/>
             </a:endParaRPr>
@@ -11655,265 +11655,279 @@
               </a:tabLst>
             </a:pPr>
             <a:r>
-              <a:rPr sz="1100" spc="-25" dirty="0">
+              <a:rPr sz="1100" spc="-25" dirty="0" smtClean="0">
                 <a:latin typeface="Tahoma"/>
                 <a:cs typeface="Tahoma"/>
               </a:rPr>
               <a:t>“Restaurant</a:t>
             </a:r>
             <a:r>
-              <a:rPr sz="1100" spc="20" dirty="0">
-                <a:latin typeface="Tahoma"/>
-                <a:cs typeface="Tahoma"/>
-              </a:rPr>
-              <a:t> </a:t>
-            </a:r>
-            <a:r>
-              <a:rPr sz="1100" spc="-35" dirty="0">
+              <a:rPr sz="1100" spc="20" dirty="0" smtClean="0">
+                <a:latin typeface="Tahoma"/>
+                <a:cs typeface="Tahoma"/>
+              </a:rPr>
+              <a:t> </a:t>
+            </a:r>
+            <a:r>
+              <a:rPr sz="1100" spc="-35" dirty="0" smtClean="0">
                 <a:latin typeface="Tahoma"/>
                 <a:cs typeface="Tahoma"/>
               </a:rPr>
               <a:t>Setup</a:t>
             </a:r>
             <a:r>
-              <a:rPr sz="1100" spc="30" dirty="0">
-                <a:latin typeface="Tahoma"/>
-                <a:cs typeface="Tahoma"/>
-              </a:rPr>
-              <a:t> </a:t>
-            </a:r>
-            <a:r>
-              <a:rPr sz="1100" spc="-30" dirty="0">
+              <a:rPr sz="1100" spc="30" dirty="0" smtClean="0">
+                <a:latin typeface="Tahoma"/>
+                <a:cs typeface="Tahoma"/>
+              </a:rPr>
+              <a:t> </a:t>
+            </a:r>
+            <a:r>
+              <a:rPr sz="1100" spc="-30" dirty="0" smtClean="0">
                 <a:latin typeface="Tahoma"/>
                 <a:cs typeface="Tahoma"/>
               </a:rPr>
               <a:t>Analysis</a:t>
             </a:r>
             <a:r>
-              <a:rPr sz="1100" spc="30" dirty="0">
-                <a:latin typeface="Tahoma"/>
-                <a:cs typeface="Tahoma"/>
-              </a:rPr>
-              <a:t> </a:t>
-            </a:r>
-            <a:r>
-              <a:rPr sz="1100" spc="-50" dirty="0">
+              <a:rPr sz="1100" spc="30" dirty="0" smtClean="0">
+                <a:latin typeface="Tahoma"/>
+                <a:cs typeface="Tahoma"/>
+              </a:rPr>
+              <a:t> </a:t>
+            </a:r>
+            <a:r>
+              <a:rPr sz="1100" spc="-50" dirty="0" smtClean="0">
                 <a:latin typeface="Tahoma"/>
                 <a:cs typeface="Tahoma"/>
               </a:rPr>
               <a:t>using</a:t>
             </a:r>
             <a:r>
-              <a:rPr sz="1100" spc="25" dirty="0">
-                <a:latin typeface="Tahoma"/>
-                <a:cs typeface="Tahoma"/>
-              </a:rPr>
-              <a:t> </a:t>
-            </a:r>
-            <a:r>
-              <a:rPr sz="1100" spc="-35" dirty="0">
+              <a:rPr sz="1100" spc="25" dirty="0" smtClean="0">
+                <a:latin typeface="Tahoma"/>
+                <a:cs typeface="Tahoma"/>
+              </a:rPr>
+              <a:t> </a:t>
+            </a:r>
+            <a:r>
+              <a:rPr sz="1100" spc="-35" dirty="0" smtClean="0">
                 <a:latin typeface="Tahoma"/>
                 <a:cs typeface="Tahoma"/>
               </a:rPr>
               <a:t>Yelp</a:t>
             </a:r>
             <a:r>
-              <a:rPr sz="1100" spc="30" dirty="0">
-                <a:latin typeface="Tahoma"/>
-                <a:cs typeface="Tahoma"/>
-              </a:rPr>
-              <a:t> </a:t>
-            </a:r>
-            <a:r>
-              <a:rPr sz="1100" spc="-25" dirty="0">
+              <a:rPr sz="1100" spc="30" dirty="0" smtClean="0">
+                <a:latin typeface="Tahoma"/>
+                <a:cs typeface="Tahoma"/>
+              </a:rPr>
+              <a:t> </a:t>
+            </a:r>
+            <a:r>
+              <a:rPr sz="1100" spc="-25" dirty="0" smtClean="0">
                 <a:latin typeface="Tahoma"/>
                 <a:cs typeface="Tahoma"/>
               </a:rPr>
               <a:t>dataset”</a:t>
             </a:r>
             <a:r>
-              <a:rPr sz="1100" spc="30" dirty="0">
-                <a:latin typeface="Tahoma"/>
-                <a:cs typeface="Tahoma"/>
-              </a:rPr>
-              <a:t> </a:t>
-            </a:r>
-            <a:r>
-              <a:rPr sz="1100" spc="-55" dirty="0">
+              <a:rPr sz="1100" spc="30" dirty="0" smtClean="0">
+                <a:latin typeface="Tahoma"/>
+                <a:cs typeface="Tahoma"/>
+              </a:rPr>
+              <a:t> </a:t>
+            </a:r>
+            <a:r>
+              <a:rPr sz="1100" spc="-55" dirty="0" smtClean="0">
                 <a:latin typeface="Tahoma"/>
                 <a:cs typeface="Tahoma"/>
               </a:rPr>
               <a:t>–</a:t>
             </a:r>
             <a:r>
-              <a:rPr sz="1100" spc="25" dirty="0">
-                <a:latin typeface="Tahoma"/>
-                <a:cs typeface="Tahoma"/>
-              </a:rPr>
-              <a:t> </a:t>
-            </a:r>
-            <a:r>
-              <a:rPr sz="1100" spc="-35" dirty="0">
+              <a:rPr sz="1100" spc="25" dirty="0" smtClean="0">
+                <a:latin typeface="Tahoma"/>
+                <a:cs typeface="Tahoma"/>
+              </a:rPr>
+              <a:t> </a:t>
+            </a:r>
+            <a:r>
+              <a:rPr sz="1100" spc="-35" dirty="0" smtClean="0">
                 <a:latin typeface="Tahoma"/>
                 <a:cs typeface="Tahoma"/>
               </a:rPr>
               <a:t>Sindhu </a:t>
             </a:r>
             <a:r>
-              <a:rPr sz="1100" spc="-325" dirty="0">
-                <a:latin typeface="Tahoma"/>
-                <a:cs typeface="Tahoma"/>
-              </a:rPr>
-              <a:t> </a:t>
-            </a:r>
-            <a:r>
-              <a:rPr sz="1100" spc="-45" dirty="0">
+              <a:rPr sz="1100" spc="-325" dirty="0" smtClean="0">
+                <a:latin typeface="Tahoma"/>
+                <a:cs typeface="Tahoma"/>
+              </a:rPr>
+              <a:t> </a:t>
+            </a:r>
+            <a:r>
+              <a:rPr sz="1100" spc="-45" dirty="0" err="1" smtClean="0">
                 <a:latin typeface="Tahoma"/>
                 <a:cs typeface="Tahoma"/>
               </a:rPr>
               <a:t>Hedge,Supriya</a:t>
             </a:r>
             <a:r>
-              <a:rPr sz="1100" spc="20" dirty="0">
-                <a:latin typeface="Tahoma"/>
-                <a:cs typeface="Tahoma"/>
-              </a:rPr>
-              <a:t> </a:t>
-            </a:r>
-            <a:r>
-              <a:rPr sz="1100" spc="-50" dirty="0">
-                <a:latin typeface="Tahoma"/>
-                <a:cs typeface="Tahoma"/>
-              </a:rPr>
-              <a:t>Satyappanavar,</a:t>
-            </a:r>
-            <a:r>
-              <a:rPr sz="1100" spc="20" dirty="0">
-                <a:latin typeface="Tahoma"/>
-                <a:cs typeface="Tahoma"/>
-              </a:rPr>
-              <a:t> </a:t>
-            </a:r>
-            <a:r>
-              <a:rPr sz="1100" spc="-50" dirty="0">
+              <a:rPr sz="1100" spc="20" dirty="0" smtClean="0">
+                <a:latin typeface="Tahoma"/>
+                <a:cs typeface="Tahoma"/>
+              </a:rPr>
+              <a:t> </a:t>
+            </a:r>
+            <a:r>
+              <a:rPr sz="1100" spc="-50" dirty="0" err="1" smtClean="0">
+                <a:latin typeface="Tahoma"/>
+                <a:cs typeface="Tahoma"/>
+              </a:rPr>
+              <a:t>Satyappanavar</a:t>
+            </a:r>
+            <a:r>
+              <a:rPr sz="1100" spc="-50" dirty="0" smtClean="0">
+                <a:latin typeface="Tahoma"/>
+                <a:cs typeface="Tahoma"/>
+              </a:rPr>
+              <a:t>,</a:t>
+            </a:r>
+            <a:r>
+              <a:rPr sz="1100" spc="20" dirty="0" smtClean="0">
+                <a:latin typeface="Tahoma"/>
+                <a:cs typeface="Tahoma"/>
+              </a:rPr>
+              <a:t> </a:t>
+            </a:r>
+            <a:r>
+              <a:rPr sz="1100" spc="-50" dirty="0" smtClean="0">
                 <a:latin typeface="Tahoma"/>
                 <a:cs typeface="Tahoma"/>
               </a:rPr>
               <a:t>Shankar</a:t>
             </a:r>
             <a:r>
-              <a:rPr sz="1100" spc="25" dirty="0">
-                <a:latin typeface="Tahoma"/>
-                <a:cs typeface="Tahoma"/>
-              </a:rPr>
-              <a:t> </a:t>
-            </a:r>
-            <a:r>
-              <a:rPr sz="1100" spc="-30" dirty="0">
-                <a:latin typeface="Tahoma"/>
-                <a:cs typeface="Tahoma"/>
-              </a:rPr>
-              <a:t>Setty-</a:t>
-            </a:r>
-            <a:r>
-              <a:rPr sz="1100" spc="15" dirty="0">
-                <a:latin typeface="Tahoma"/>
-                <a:cs typeface="Tahoma"/>
-              </a:rPr>
-              <a:t> </a:t>
-            </a:r>
-            <a:r>
-              <a:rPr sz="1100" spc="-55" dirty="0">
+              <a:rPr sz="1100" spc="25" dirty="0" smtClean="0">
+                <a:latin typeface="Tahoma"/>
+                <a:cs typeface="Tahoma"/>
+              </a:rPr>
+              <a:t> </a:t>
+            </a:r>
+            <a:r>
+              <a:rPr sz="1100" spc="-30" dirty="0" err="1" smtClean="0">
+                <a:latin typeface="Tahoma"/>
+                <a:cs typeface="Tahoma"/>
+              </a:rPr>
+              <a:t>Setty</a:t>
+            </a:r>
+            <a:r>
+              <a:rPr sz="1100" spc="-30" dirty="0" smtClean="0">
+                <a:latin typeface="Tahoma"/>
+                <a:cs typeface="Tahoma"/>
+              </a:rPr>
+              <a:t>-</a:t>
+            </a:r>
+            <a:r>
+              <a:rPr sz="1100" spc="15" dirty="0" smtClean="0">
+                <a:latin typeface="Tahoma"/>
+                <a:cs typeface="Tahoma"/>
+              </a:rPr>
+              <a:t> </a:t>
+            </a:r>
+            <a:r>
+              <a:rPr sz="1100" spc="-55" dirty="0" smtClean="0">
                 <a:latin typeface="Tahoma"/>
                 <a:cs typeface="Tahoma"/>
               </a:rPr>
               <a:t>2017 </a:t>
             </a:r>
             <a:r>
-              <a:rPr sz="1100" spc="-50" dirty="0">
-                <a:latin typeface="Tahoma"/>
-                <a:cs typeface="Tahoma"/>
-              </a:rPr>
-              <a:t> </a:t>
-            </a:r>
-            <a:r>
-              <a:rPr sz="1100" spc="-40" dirty="0">
+              <a:rPr sz="1100" spc="-50" dirty="0" smtClean="0">
+                <a:latin typeface="Tahoma"/>
+                <a:cs typeface="Tahoma"/>
+              </a:rPr>
+              <a:t> </a:t>
+            </a:r>
+            <a:r>
+              <a:rPr sz="1100" spc="-40" dirty="0" smtClean="0">
                 <a:latin typeface="Tahoma"/>
                 <a:cs typeface="Tahoma"/>
               </a:rPr>
               <a:t>International</a:t>
             </a:r>
             <a:r>
-              <a:rPr sz="1100" spc="20" dirty="0">
-                <a:latin typeface="Tahoma"/>
-                <a:cs typeface="Tahoma"/>
-              </a:rPr>
-              <a:t> </a:t>
-            </a:r>
-            <a:r>
-              <a:rPr sz="1100" spc="-55" dirty="0">
+              <a:rPr sz="1100" spc="20" dirty="0" smtClean="0">
+                <a:latin typeface="Tahoma"/>
+                <a:cs typeface="Tahoma"/>
+              </a:rPr>
+              <a:t> </a:t>
+            </a:r>
+            <a:r>
+              <a:rPr sz="1100" spc="-55" dirty="0" smtClean="0">
                 <a:latin typeface="Tahoma"/>
                 <a:cs typeface="Tahoma"/>
               </a:rPr>
               <a:t>Conference</a:t>
             </a:r>
             <a:r>
-              <a:rPr sz="1100" spc="15" dirty="0">
-                <a:latin typeface="Tahoma"/>
-                <a:cs typeface="Tahoma"/>
-              </a:rPr>
-              <a:t> </a:t>
-            </a:r>
-            <a:r>
-              <a:rPr sz="1100" spc="-25" dirty="0">
+              <a:rPr sz="1100" spc="15" dirty="0" smtClean="0">
+                <a:latin typeface="Tahoma"/>
+                <a:cs typeface="Tahoma"/>
+              </a:rPr>
+              <a:t> </a:t>
+            </a:r>
+            <a:r>
+              <a:rPr sz="1100" spc="-25" dirty="0" smtClean="0">
                 <a:latin typeface="Tahoma"/>
                 <a:cs typeface="Tahoma"/>
               </a:rPr>
               <a:t>in</a:t>
             </a:r>
             <a:r>
-              <a:rPr sz="1100" spc="25" dirty="0">
-                <a:latin typeface="Tahoma"/>
-                <a:cs typeface="Tahoma"/>
-              </a:rPr>
-              <a:t> </a:t>
-            </a:r>
-            <a:r>
-              <a:rPr sz="1100" spc="-40" dirty="0">
+              <a:rPr sz="1100" spc="25" dirty="0" smtClean="0">
+                <a:latin typeface="Tahoma"/>
+                <a:cs typeface="Tahoma"/>
+              </a:rPr>
+              <a:t> </a:t>
+            </a:r>
+            <a:r>
+              <a:rPr sz="1100" spc="-40" dirty="0" smtClean="0">
                 <a:latin typeface="Tahoma"/>
                 <a:cs typeface="Tahoma"/>
               </a:rPr>
               <a:t>Advances</a:t>
             </a:r>
             <a:r>
-              <a:rPr sz="1100" spc="20" dirty="0">
-                <a:latin typeface="Tahoma"/>
-                <a:cs typeface="Tahoma"/>
-              </a:rPr>
-              <a:t> </a:t>
-            </a:r>
-            <a:r>
-              <a:rPr sz="1100" spc="-25" dirty="0">
+              <a:rPr sz="1100" spc="20" dirty="0" smtClean="0">
+                <a:latin typeface="Tahoma"/>
+                <a:cs typeface="Tahoma"/>
+              </a:rPr>
+              <a:t> </a:t>
+            </a:r>
+            <a:r>
+              <a:rPr sz="1100" spc="-25" dirty="0" smtClean="0">
                 <a:latin typeface="Tahoma"/>
                 <a:cs typeface="Tahoma"/>
               </a:rPr>
               <a:t>in</a:t>
             </a:r>
             <a:r>
-              <a:rPr sz="1100" spc="25" dirty="0">
-                <a:latin typeface="Tahoma"/>
-                <a:cs typeface="Tahoma"/>
-              </a:rPr>
-              <a:t> </a:t>
-            </a:r>
-            <a:r>
-              <a:rPr sz="1100" spc="-35" dirty="0">
+              <a:rPr sz="1100" spc="25" dirty="0" smtClean="0">
+                <a:latin typeface="Tahoma"/>
+                <a:cs typeface="Tahoma"/>
+              </a:rPr>
+              <a:t> </a:t>
+            </a:r>
+            <a:r>
+              <a:rPr sz="1100" spc="-35" dirty="0" smtClean="0">
                 <a:latin typeface="Tahoma"/>
                 <a:cs typeface="Tahoma"/>
               </a:rPr>
               <a:t>Computing.</a:t>
             </a:r>
-            <a:endParaRPr sz="1100" dirty="0">
+            <a:endParaRPr sz="1100" dirty="0" smtClean="0">
               <a:latin typeface="Tahoma"/>
               <a:cs typeface="Tahoma"/>
             </a:endParaRPr>
@@ -11935,335 +11949,349 @@
               </a:tabLst>
             </a:pPr>
             <a:r>
-              <a:rPr sz="1100" spc="-10" dirty="0">
+              <a:rPr sz="1100" spc="-10" dirty="0" smtClean="0">
                 <a:latin typeface="Tahoma"/>
                 <a:cs typeface="Tahoma"/>
               </a:rPr>
               <a:t>”Predicting</a:t>
             </a:r>
             <a:r>
-              <a:rPr sz="1100" spc="15" dirty="0">
-                <a:latin typeface="Tahoma"/>
-                <a:cs typeface="Tahoma"/>
-              </a:rPr>
-              <a:t> </a:t>
-            </a:r>
-            <a:r>
-              <a:rPr sz="1100" spc="-35" dirty="0">
+              <a:rPr sz="1100" spc="15" dirty="0" smtClean="0">
+                <a:latin typeface="Tahoma"/>
+                <a:cs typeface="Tahoma"/>
+              </a:rPr>
+              <a:t> </a:t>
+            </a:r>
+            <a:r>
+              <a:rPr sz="1100" spc="-35" dirty="0" smtClean="0">
                 <a:latin typeface="Tahoma"/>
                 <a:cs typeface="Tahoma"/>
               </a:rPr>
               <a:t>Restaurant</a:t>
             </a:r>
             <a:r>
-              <a:rPr sz="1100" spc="25" dirty="0">
-                <a:latin typeface="Tahoma"/>
-                <a:cs typeface="Tahoma"/>
-              </a:rPr>
-              <a:t> </a:t>
-            </a:r>
-            <a:r>
-              <a:rPr sz="1100" spc="-20" dirty="0">
+              <a:rPr sz="1100" spc="25" dirty="0" smtClean="0">
+                <a:latin typeface="Tahoma"/>
+                <a:cs typeface="Tahoma"/>
+              </a:rPr>
+              <a:t> </a:t>
+            </a:r>
+            <a:r>
+              <a:rPr sz="1100" spc="-20" dirty="0" smtClean="0">
                 <a:latin typeface="Tahoma"/>
                 <a:cs typeface="Tahoma"/>
               </a:rPr>
               <a:t>Rating</a:t>
             </a:r>
             <a:r>
-              <a:rPr sz="1100" spc="20" dirty="0">
-                <a:latin typeface="Tahoma"/>
-                <a:cs typeface="Tahoma"/>
-              </a:rPr>
-              <a:t> </a:t>
-            </a:r>
-            <a:r>
-              <a:rPr sz="1100" spc="-50" dirty="0">
+              <a:rPr sz="1100" spc="20" dirty="0" smtClean="0">
+                <a:latin typeface="Tahoma"/>
+                <a:cs typeface="Tahoma"/>
+              </a:rPr>
+              <a:t> </a:t>
+            </a:r>
+            <a:r>
+              <a:rPr sz="1100" spc="-50" dirty="0" smtClean="0">
                 <a:latin typeface="Tahoma"/>
                 <a:cs typeface="Tahoma"/>
               </a:rPr>
               <a:t>using</a:t>
             </a:r>
             <a:r>
-              <a:rPr sz="1100" spc="25" dirty="0">
-                <a:latin typeface="Tahoma"/>
-                <a:cs typeface="Tahoma"/>
-              </a:rPr>
-              <a:t> </a:t>
-            </a:r>
-            <a:r>
-              <a:rPr sz="1100" spc="-25" dirty="0">
+              <a:rPr sz="1100" spc="25" dirty="0" smtClean="0">
+                <a:latin typeface="Tahoma"/>
+                <a:cs typeface="Tahoma"/>
+              </a:rPr>
+              <a:t> </a:t>
+            </a:r>
+            <a:r>
+              <a:rPr sz="1100" spc="-25" dirty="0" smtClean="0">
                 <a:latin typeface="Tahoma"/>
                 <a:cs typeface="Tahoma"/>
               </a:rPr>
               <a:t>Machine</a:t>
             </a:r>
             <a:r>
-              <a:rPr sz="1100" spc="15" dirty="0">
-                <a:latin typeface="Tahoma"/>
-                <a:cs typeface="Tahoma"/>
-              </a:rPr>
-              <a:t> </a:t>
-            </a:r>
-            <a:r>
-              <a:rPr sz="1100" spc="-40" dirty="0">
+              <a:rPr sz="1100" spc="15" dirty="0" smtClean="0">
+                <a:latin typeface="Tahoma"/>
+                <a:cs typeface="Tahoma"/>
+              </a:rPr>
+              <a:t> </a:t>
+            </a:r>
+            <a:r>
+              <a:rPr sz="1100" spc="-40" dirty="0" smtClean="0">
                 <a:latin typeface="Tahoma"/>
                 <a:cs typeface="Tahoma"/>
               </a:rPr>
               <a:t>Learning</a:t>
             </a:r>
             <a:r>
-              <a:rPr sz="1100" spc="25" dirty="0">
-                <a:latin typeface="Tahoma"/>
-                <a:cs typeface="Tahoma"/>
-              </a:rPr>
-              <a:t> </a:t>
-            </a:r>
-            <a:r>
-              <a:rPr sz="1100" spc="-50" dirty="0">
+              <a:rPr sz="1100" spc="25" dirty="0" smtClean="0">
+                <a:latin typeface="Tahoma"/>
+                <a:cs typeface="Tahoma"/>
+              </a:rPr>
+              <a:t> </a:t>
+            </a:r>
+            <a:r>
+              <a:rPr sz="1100" spc="-50" dirty="0" smtClean="0">
                 <a:latin typeface="Tahoma"/>
                 <a:cs typeface="Tahoma"/>
               </a:rPr>
               <a:t>and </a:t>
             </a:r>
             <a:r>
-              <a:rPr sz="1100" spc="-45" dirty="0">
-                <a:latin typeface="Tahoma"/>
-                <a:cs typeface="Tahoma"/>
-              </a:rPr>
-              <a:t> </a:t>
-            </a:r>
-            <a:r>
-              <a:rPr sz="1100" spc="-50" dirty="0">
+              <a:rPr sz="1100" spc="-45" dirty="0" smtClean="0">
+                <a:latin typeface="Tahoma"/>
+                <a:cs typeface="Tahoma"/>
+              </a:rPr>
+              <a:t> </a:t>
+            </a:r>
+            <a:r>
+              <a:rPr sz="1100" spc="-50" dirty="0" smtClean="0">
                 <a:latin typeface="Tahoma"/>
                 <a:cs typeface="Tahoma"/>
               </a:rPr>
               <a:t>comparison</a:t>
             </a:r>
             <a:r>
-              <a:rPr sz="1100" spc="20" dirty="0">
-                <a:latin typeface="Tahoma"/>
-                <a:cs typeface="Tahoma"/>
-              </a:rPr>
-              <a:t> </a:t>
-            </a:r>
-            <a:r>
-              <a:rPr sz="1100" spc="-35" dirty="0">
+              <a:rPr sz="1100" spc="20" dirty="0" smtClean="0">
+                <a:latin typeface="Tahoma"/>
+                <a:cs typeface="Tahoma"/>
+              </a:rPr>
+              <a:t> </a:t>
+            </a:r>
+            <a:r>
+              <a:rPr sz="1100" spc="-35" dirty="0" smtClean="0">
                 <a:latin typeface="Tahoma"/>
                 <a:cs typeface="Tahoma"/>
               </a:rPr>
               <a:t>of</a:t>
             </a:r>
             <a:r>
-              <a:rPr sz="1100" spc="15" dirty="0">
-                <a:latin typeface="Tahoma"/>
-                <a:cs typeface="Tahoma"/>
-              </a:rPr>
-              <a:t> </a:t>
-            </a:r>
-            <a:r>
-              <a:rPr sz="1100" spc="-50" dirty="0">
+              <a:rPr sz="1100" spc="15" dirty="0" smtClean="0">
+                <a:latin typeface="Tahoma"/>
+                <a:cs typeface="Tahoma"/>
+              </a:rPr>
+              <a:t> </a:t>
+            </a:r>
+            <a:r>
+              <a:rPr sz="1100" spc="-50" dirty="0" smtClean="0">
                 <a:latin typeface="Tahoma"/>
                 <a:cs typeface="Tahoma"/>
               </a:rPr>
               <a:t>Regression</a:t>
             </a:r>
             <a:r>
-              <a:rPr sz="1100" spc="20" dirty="0">
-                <a:latin typeface="Tahoma"/>
-                <a:cs typeface="Tahoma"/>
-              </a:rPr>
-              <a:t> </a:t>
-            </a:r>
-            <a:r>
-              <a:rPr sz="1100" spc="-5" dirty="0">
+              <a:rPr sz="1100" spc="20" dirty="0" smtClean="0">
+                <a:latin typeface="Tahoma"/>
+                <a:cs typeface="Tahoma"/>
+              </a:rPr>
+              <a:t> </a:t>
+            </a:r>
+            <a:r>
+              <a:rPr sz="1100" spc="-5" dirty="0" smtClean="0">
                 <a:latin typeface="Tahoma"/>
                 <a:cs typeface="Tahoma"/>
               </a:rPr>
               <a:t>Models”</a:t>
             </a:r>
             <a:r>
-              <a:rPr sz="1100" spc="20" dirty="0">
-                <a:latin typeface="Tahoma"/>
-                <a:cs typeface="Tahoma"/>
-              </a:rPr>
-              <a:t> </a:t>
-            </a:r>
-            <a:r>
-              <a:rPr sz="1100" spc="-20" dirty="0">
-                <a:latin typeface="Tahoma"/>
-                <a:cs typeface="Tahoma"/>
-              </a:rPr>
-              <a:t>-Priya,</a:t>
-            </a:r>
-            <a:r>
-              <a:rPr sz="1100" spc="20" dirty="0">
-                <a:latin typeface="Tahoma"/>
-                <a:cs typeface="Tahoma"/>
-              </a:rPr>
-              <a:t> </a:t>
-            </a:r>
-            <a:r>
-              <a:rPr sz="1100" spc="-5" dirty="0">
+              <a:rPr sz="1100" spc="20" dirty="0" smtClean="0">
+                <a:latin typeface="Tahoma"/>
+                <a:cs typeface="Tahoma"/>
+              </a:rPr>
+              <a:t> </a:t>
+            </a:r>
+            <a:r>
+              <a:rPr sz="1100" spc="-20" dirty="0" smtClean="0">
+                <a:latin typeface="Tahoma"/>
+                <a:cs typeface="Tahoma"/>
+              </a:rPr>
+              <a:t>-</a:t>
+            </a:r>
+            <a:r>
+              <a:rPr sz="1100" spc="-20" dirty="0" err="1" smtClean="0">
+                <a:latin typeface="Tahoma"/>
+                <a:cs typeface="Tahoma"/>
+              </a:rPr>
+              <a:t>Priya</a:t>
+            </a:r>
+            <a:r>
+              <a:rPr sz="1100" spc="-20" dirty="0" smtClean="0">
+                <a:latin typeface="Tahoma"/>
+                <a:cs typeface="Tahoma"/>
+              </a:rPr>
+              <a:t>,</a:t>
+            </a:r>
+            <a:r>
+              <a:rPr sz="1100" spc="20" dirty="0" smtClean="0">
+                <a:latin typeface="Tahoma"/>
+                <a:cs typeface="Tahoma"/>
+              </a:rPr>
+              <a:t> </a:t>
+            </a:r>
+            <a:r>
+              <a:rPr sz="1100" spc="-5" dirty="0" smtClean="0">
                 <a:latin typeface="Tahoma"/>
                 <a:cs typeface="Tahoma"/>
               </a:rPr>
               <a:t>J.-IEEE</a:t>
             </a:r>
             <a:r>
-              <a:rPr sz="1100" spc="15" dirty="0">
-                <a:latin typeface="Tahoma"/>
-                <a:cs typeface="Tahoma"/>
-              </a:rPr>
-              <a:t> </a:t>
-            </a:r>
-            <a:r>
-              <a:rPr sz="1100" spc="-55" dirty="0">
+              <a:rPr sz="1100" spc="15" dirty="0" smtClean="0">
+                <a:latin typeface="Tahoma"/>
+                <a:cs typeface="Tahoma"/>
+              </a:rPr>
+              <a:t> </a:t>
+            </a:r>
+            <a:r>
+              <a:rPr sz="1100" spc="-55" dirty="0" smtClean="0">
                 <a:latin typeface="Tahoma"/>
                 <a:cs typeface="Tahoma"/>
               </a:rPr>
               <a:t>2020 </a:t>
             </a:r>
             <a:r>
-              <a:rPr sz="1100" spc="-50" dirty="0">
-                <a:latin typeface="Tahoma"/>
-                <a:cs typeface="Tahoma"/>
-              </a:rPr>
-              <a:t> </a:t>
-            </a:r>
-            <a:r>
-              <a:rPr sz="1100" spc="-40" dirty="0">
+              <a:rPr sz="1100" spc="-50" dirty="0" smtClean="0">
+                <a:latin typeface="Tahoma"/>
+                <a:cs typeface="Tahoma"/>
+              </a:rPr>
+              <a:t> </a:t>
+            </a:r>
+            <a:r>
+              <a:rPr sz="1100" spc="-40" dirty="0" smtClean="0">
                 <a:latin typeface="Tahoma"/>
                 <a:cs typeface="Tahoma"/>
               </a:rPr>
               <a:t>International</a:t>
             </a:r>
             <a:r>
-              <a:rPr sz="1100" spc="25" dirty="0">
-                <a:latin typeface="Tahoma"/>
-                <a:cs typeface="Tahoma"/>
-              </a:rPr>
-              <a:t> </a:t>
-            </a:r>
-            <a:r>
-              <a:rPr sz="1100" spc="-55" dirty="0">
+              <a:rPr sz="1100" spc="25" dirty="0" smtClean="0">
+                <a:latin typeface="Tahoma"/>
+                <a:cs typeface="Tahoma"/>
+              </a:rPr>
+              <a:t> </a:t>
+            </a:r>
+            <a:r>
+              <a:rPr sz="1100" spc="-55" dirty="0" smtClean="0">
                 <a:latin typeface="Tahoma"/>
                 <a:cs typeface="Tahoma"/>
               </a:rPr>
               <a:t>Conference</a:t>
             </a:r>
             <a:r>
-              <a:rPr sz="1100" spc="25" dirty="0">
-                <a:latin typeface="Tahoma"/>
-                <a:cs typeface="Tahoma"/>
-              </a:rPr>
-              <a:t> </a:t>
-            </a:r>
-            <a:r>
-              <a:rPr sz="1100" spc="-55" dirty="0">
+              <a:rPr sz="1100" spc="25" dirty="0" smtClean="0">
+                <a:latin typeface="Tahoma"/>
+                <a:cs typeface="Tahoma"/>
+              </a:rPr>
+              <a:t> </a:t>
+            </a:r>
+            <a:r>
+              <a:rPr sz="1100" spc="-55" dirty="0" smtClean="0">
                 <a:latin typeface="Tahoma"/>
                 <a:cs typeface="Tahoma"/>
               </a:rPr>
               <a:t>on</a:t>
             </a:r>
             <a:r>
-              <a:rPr sz="1100" spc="30" dirty="0">
-                <a:latin typeface="Tahoma"/>
-                <a:cs typeface="Tahoma"/>
-              </a:rPr>
-              <a:t> </a:t>
-            </a:r>
-            <a:r>
-              <a:rPr sz="1100" spc="-40" dirty="0">
+              <a:rPr sz="1100" spc="30" dirty="0" smtClean="0">
+                <a:latin typeface="Tahoma"/>
+                <a:cs typeface="Tahoma"/>
+              </a:rPr>
+              <a:t> </a:t>
+            </a:r>
+            <a:r>
+              <a:rPr sz="1100" spc="-40" dirty="0" smtClean="0">
                 <a:latin typeface="Tahoma"/>
                 <a:cs typeface="Tahoma"/>
               </a:rPr>
               <a:t>Emerging</a:t>
             </a:r>
             <a:r>
-              <a:rPr sz="1100" spc="25" dirty="0">
-                <a:latin typeface="Tahoma"/>
-                <a:cs typeface="Tahoma"/>
-              </a:rPr>
-              <a:t> </a:t>
-            </a:r>
-            <a:r>
-              <a:rPr sz="1100" spc="-50" dirty="0">
+              <a:rPr sz="1100" spc="25" dirty="0" smtClean="0">
+                <a:latin typeface="Tahoma"/>
+                <a:cs typeface="Tahoma"/>
+              </a:rPr>
+              <a:t> </a:t>
+            </a:r>
+            <a:r>
+              <a:rPr sz="1100" spc="-50" dirty="0" smtClean="0">
                 <a:latin typeface="Tahoma"/>
                 <a:cs typeface="Tahoma"/>
               </a:rPr>
               <a:t>Trends</a:t>
             </a:r>
             <a:r>
-              <a:rPr sz="1100" spc="25" dirty="0">
-                <a:latin typeface="Tahoma"/>
-                <a:cs typeface="Tahoma"/>
-              </a:rPr>
-              <a:t> </a:t>
-            </a:r>
-            <a:r>
-              <a:rPr sz="1100" spc="-25" dirty="0">
+              <a:rPr sz="1100" spc="25" dirty="0" smtClean="0">
+                <a:latin typeface="Tahoma"/>
+                <a:cs typeface="Tahoma"/>
+              </a:rPr>
+              <a:t> </a:t>
+            </a:r>
+            <a:r>
+              <a:rPr sz="1100" spc="-25" dirty="0" smtClean="0">
                 <a:latin typeface="Tahoma"/>
                 <a:cs typeface="Tahoma"/>
               </a:rPr>
               <a:t>in</a:t>
             </a:r>
             <a:r>
-              <a:rPr sz="1100" spc="30" dirty="0">
-                <a:latin typeface="Tahoma"/>
-                <a:cs typeface="Tahoma"/>
-              </a:rPr>
-              <a:t> </a:t>
-            </a:r>
-            <a:r>
-              <a:rPr sz="1100" spc="-45" dirty="0">
+              <a:rPr sz="1100" spc="30" dirty="0" smtClean="0">
+                <a:latin typeface="Tahoma"/>
+                <a:cs typeface="Tahoma"/>
+              </a:rPr>
+              <a:t> </a:t>
+            </a:r>
+            <a:r>
+              <a:rPr sz="1100" spc="-45" dirty="0" smtClean="0">
                 <a:latin typeface="Tahoma"/>
                 <a:cs typeface="Tahoma"/>
               </a:rPr>
               <a:t>Information </a:t>
             </a:r>
             <a:r>
-              <a:rPr sz="1100" spc="-330" dirty="0">
-                <a:latin typeface="Tahoma"/>
-                <a:cs typeface="Tahoma"/>
-              </a:rPr>
-              <a:t> </a:t>
-            </a:r>
-            <a:r>
-              <a:rPr sz="1100" spc="-45" dirty="0">
+              <a:rPr sz="1100" spc="-330" dirty="0" smtClean="0">
+                <a:latin typeface="Tahoma"/>
+                <a:cs typeface="Tahoma"/>
+              </a:rPr>
+              <a:t> </a:t>
+            </a:r>
+            <a:r>
+              <a:rPr sz="1100" spc="-45" dirty="0" smtClean="0">
                 <a:latin typeface="Tahoma"/>
                 <a:cs typeface="Tahoma"/>
               </a:rPr>
               <a:t>Technology</a:t>
             </a:r>
             <a:r>
-              <a:rPr sz="1100" spc="15" dirty="0">
-                <a:latin typeface="Tahoma"/>
-                <a:cs typeface="Tahoma"/>
-              </a:rPr>
-              <a:t> </a:t>
-            </a:r>
-            <a:r>
-              <a:rPr sz="1100" spc="-50" dirty="0">
+              <a:rPr sz="1100" spc="15" dirty="0" smtClean="0">
+                <a:latin typeface="Tahoma"/>
+                <a:cs typeface="Tahoma"/>
+              </a:rPr>
+              <a:t> </a:t>
+            </a:r>
+            <a:r>
+              <a:rPr sz="1100" spc="-50" dirty="0" smtClean="0">
                 <a:latin typeface="Tahoma"/>
                 <a:cs typeface="Tahoma"/>
               </a:rPr>
               <a:t>and</a:t>
             </a:r>
             <a:r>
-              <a:rPr sz="1100" spc="20" dirty="0">
-                <a:latin typeface="Tahoma"/>
-                <a:cs typeface="Tahoma"/>
-              </a:rPr>
-              <a:t> </a:t>
-            </a:r>
-            <a:r>
-              <a:rPr sz="1100" spc="-40" dirty="0">
+              <a:rPr sz="1100" spc="20" dirty="0" smtClean="0">
+                <a:latin typeface="Tahoma"/>
+                <a:cs typeface="Tahoma"/>
+              </a:rPr>
+              <a:t> </a:t>
+            </a:r>
+            <a:r>
+              <a:rPr sz="1100" spc="-40" dirty="0" smtClean="0">
                 <a:latin typeface="Tahoma"/>
                 <a:cs typeface="Tahoma"/>
               </a:rPr>
               <a:t>Engineering.</a:t>
             </a:r>
-            <a:endParaRPr sz="1100" dirty="0">
+            <a:endParaRPr sz="1100" dirty="0" smtClean="0">
               <a:latin typeface="Tahoma"/>
               <a:cs typeface="Tahoma"/>
             </a:endParaRPr>
@@ -12285,11 +12313,18 @@
               </a:tabLst>
             </a:pPr>
             <a:r>
+              <a:rPr sz="1100" spc="-25" dirty="0" smtClean="0">
+                <a:latin typeface="Tahoma"/>
+                <a:cs typeface="Tahoma"/>
+              </a:rPr>
+              <a:t>“</a:t>
+            </a:r>
+            <a:r>
               <a:rPr sz="1100" spc="-25" dirty="0">
                 <a:latin typeface="Tahoma"/>
                 <a:cs typeface="Tahoma"/>
               </a:rPr>
-              <a:t>“Restaurant</a:t>
+              <a:t>Restaurant</a:t>
             </a:r>
             <a:r>
               <a:rPr sz="1100" spc="25" dirty="0">
@@ -13095,7 +13130,7 @@
               </a:rPr>
               <a:t>parameters.</a:t>
             </a:r>
-            <a:endParaRPr sz="1100">
+            <a:endParaRPr sz="1100" dirty="0">
               <a:latin typeface="Tahoma"/>
               <a:cs typeface="Tahoma"/>
             </a:endParaRPr>
@@ -13250,7 +13285,7 @@
               </a:rPr>
               <a:t>business.</a:t>
             </a:r>
-            <a:endParaRPr sz="1100">
+            <a:endParaRPr sz="1100" dirty="0">
               <a:latin typeface="Tahoma"/>
               <a:cs typeface="Tahoma"/>
             </a:endParaRPr>
@@ -13517,7 +13552,7 @@
               </a:rPr>
               <a:t>manually.</a:t>
             </a:r>
-            <a:endParaRPr sz="1100">
+            <a:endParaRPr sz="1100" dirty="0">
               <a:latin typeface="Tahoma"/>
               <a:cs typeface="Tahoma"/>
             </a:endParaRPr>
@@ -13714,7 +13749,7 @@
               </a:rPr>
               <a:t>manually.</a:t>
             </a:r>
-            <a:endParaRPr sz="1100">
+            <a:endParaRPr sz="1100" dirty="0">
               <a:latin typeface="Tahoma"/>
               <a:cs typeface="Tahoma"/>
             </a:endParaRPr>
@@ -13953,7 +13988,7 @@
               </a:rPr>
               <a:t>features.</a:t>
             </a:r>
-            <a:endParaRPr sz="1100">
+            <a:endParaRPr sz="1100" dirty="0">
               <a:latin typeface="Tahoma"/>
               <a:cs typeface="Tahoma"/>
             </a:endParaRPr>
@@ -14430,7 +14465,7 @@
               </a:rPr>
               <a:t>profit.</a:t>
             </a:r>
-            <a:endParaRPr sz="1100">
+            <a:endParaRPr sz="1100" dirty="0">
               <a:latin typeface="Tahoma"/>
               <a:cs typeface="Tahoma"/>
             </a:endParaRPr>
@@ -14789,7 +14824,7 @@
               </a:rPr>
               <a:t>restaurant.</a:t>
             </a:r>
-            <a:endParaRPr sz="1100">
+            <a:endParaRPr sz="1100" dirty="0">
               <a:latin typeface="Tahoma"/>
               <a:cs typeface="Tahoma"/>
             </a:endParaRPr>
@@ -14902,7 +14937,7 @@
               </a:rPr>
               <a:t>insights.</a:t>
             </a:r>
-            <a:endParaRPr sz="1100">
+            <a:endParaRPr sz="1100" dirty="0">
               <a:latin typeface="Tahoma"/>
               <a:cs typeface="Tahoma"/>
             </a:endParaRPr>
@@ -14987,7 +15022,7 @@
               </a:rPr>
               <a:t>features.</a:t>
             </a:r>
-            <a:endParaRPr sz="1100">
+            <a:endParaRPr sz="1100" dirty="0">
               <a:latin typeface="Tahoma"/>
               <a:cs typeface="Tahoma"/>
             </a:endParaRPr>
@@ -18829,7 +18864,7 @@
               <a:rPr sz="1100" spc="-50" dirty="0"/>
               <a:t>customers.</a:t>
             </a:r>
-            <a:endParaRPr sz="1100"/>
+            <a:endParaRPr sz="1100" dirty="0"/>
           </a:p>
           <a:p>
             <a:pPr marL="312420" indent="-177165">
@@ -18908,7 +18943,7 @@
               <a:rPr sz="1100" spc="-40" dirty="0"/>
               <a:t>dataset.</a:t>
             </a:r>
-            <a:endParaRPr sz="1100"/>
+            <a:endParaRPr sz="1100" dirty="0"/>
           </a:p>
           <a:p>
             <a:pPr marL="312420" marR="30480" indent="-177165">
@@ -19079,7 +19114,7 @@
               <a:rPr sz="1100" spc="-40" dirty="0"/>
               <a:t>dataset.</a:t>
             </a:r>
-            <a:endParaRPr sz="1100"/>
+            <a:endParaRPr sz="1100" dirty="0"/>
           </a:p>
         </p:txBody>
       </p:sp>
